--- a/PP_group 5_HUNGRY GROUP.pptx
+++ b/PP_group 5_HUNGRY GROUP.pptx
@@ -16,8 +16,9 @@
     <p:sldId id="264" r:id="rId10"/>
     <p:sldId id="265" r:id="rId11"/>
     <p:sldId id="266" r:id="rId12"/>
-    <p:sldId id="267" r:id="rId13"/>
-    <p:sldId id="268" r:id="rId14"/>
+    <p:sldId id="269" r:id="rId13"/>
+    <p:sldId id="267" r:id="rId14"/>
+    <p:sldId id="268" r:id="rId15"/>
   </p:sldIdLst>
   <p:sldSz cx="12192000" cy="6858000"/>
   <p:notesSz cx="6858000" cy="9144000"/>
@@ -928,10 +929,16 @@
         <a:lstStyle/>
         <a:p>
           <a:r>
-            <a:rPr lang="en-AU"/>
+            <a:rPr lang="en-AU" dirty="0">
+              <a:latin typeface="Calibri" panose="020F0502020204030204" pitchFamily="34" charset="0"/>
+              <a:cs typeface="Calibri" panose="020F0502020204030204" pitchFamily="34" charset="0"/>
+            </a:rPr>
             <a:t>Our struggles: Had to enter credit card details (and got charged 79 cents) for API requests.</a:t>
           </a:r>
-          <a:endParaRPr lang="en-US"/>
+          <a:endParaRPr lang="en-US" dirty="0">
+            <a:latin typeface="Calibri" panose="020F0502020204030204" pitchFamily="34" charset="0"/>
+            <a:cs typeface="Calibri" panose="020F0502020204030204" pitchFamily="34" charset="0"/>
+          </a:endParaRPr>
         </a:p>
       </dgm:t>
     </dgm:pt>
@@ -965,10 +972,30 @@
         <a:lstStyle/>
         <a:p>
           <a:r>
-            <a:rPr lang="en-AU"/>
-            <a:t>Haven’t got time to make meal plans for the entire week and put into DataFrame.</a:t>
+            <a:rPr lang="en-AU" dirty="0">
+              <a:latin typeface="Calibri" panose="020F0502020204030204" pitchFamily="34" charset="0"/>
+              <a:cs typeface="Calibri" panose="020F0502020204030204" pitchFamily="34" charset="0"/>
+            </a:rPr>
+            <a:t>Haven’t got time to make meal plans for the entire week and put into </a:t>
           </a:r>
-          <a:endParaRPr lang="en-US"/>
+          <a:r>
+            <a:rPr lang="en-AU" dirty="0" err="1">
+              <a:latin typeface="Calibri" panose="020F0502020204030204" pitchFamily="34" charset="0"/>
+              <a:cs typeface="Calibri" panose="020F0502020204030204" pitchFamily="34" charset="0"/>
+            </a:rPr>
+            <a:t>DataFrame</a:t>
+          </a:r>
+          <a:r>
+            <a:rPr lang="en-AU" dirty="0">
+              <a:latin typeface="Calibri" panose="020F0502020204030204" pitchFamily="34" charset="0"/>
+              <a:cs typeface="Calibri" panose="020F0502020204030204" pitchFamily="34" charset="0"/>
+            </a:rPr>
+            <a:t>.</a:t>
+          </a:r>
+          <a:endParaRPr lang="en-US" dirty="0">
+            <a:latin typeface="Calibri" panose="020F0502020204030204" pitchFamily="34" charset="0"/>
+            <a:cs typeface="Calibri" panose="020F0502020204030204" pitchFamily="34" charset="0"/>
+          </a:endParaRPr>
         </a:p>
       </dgm:t>
     </dgm:pt>
@@ -1061,8 +1088,8 @@
       </dsp:nvSpPr>
       <dsp:spPr>
         <a:xfrm>
-          <a:off x="0" y="46849"/>
-          <a:ext cx="6171948" cy="2646540"/>
+          <a:off x="0" y="55579"/>
+          <a:ext cx="6171948" cy="2640690"/>
         </a:xfrm>
         <a:prstGeom prst="roundRect">
           <a:avLst/>
@@ -1104,12 +1131,12 @@
         </a:fontRef>
       </dsp:style>
       <dsp:txBody>
-        <a:bodyPr spcFirstLastPara="0" vert="horz" wrap="square" lIns="148590" tIns="148590" rIns="148590" bIns="148590" numCol="1" spcCol="1270" anchor="ctr" anchorCtr="0">
+        <a:bodyPr spcFirstLastPara="0" vert="horz" wrap="square" lIns="140970" tIns="140970" rIns="140970" bIns="140970" numCol="1" spcCol="1270" anchor="ctr" anchorCtr="0">
           <a:noAutofit/>
         </a:bodyPr>
         <a:lstStyle/>
         <a:p>
-          <a:pPr marL="0" lvl="0" indent="0" algn="l" defTabSz="1733550">
+          <a:pPr marL="0" lvl="0" indent="0" algn="l" defTabSz="1644650">
             <a:lnSpc>
               <a:spcPct val="90000"/>
             </a:lnSpc>
@@ -1122,15 +1149,21 @@
             <a:buNone/>
           </a:pPr>
           <a:r>
-            <a:rPr lang="en-AU" sz="3900" kern="1200"/>
+            <a:rPr lang="en-AU" sz="3700" kern="1200" dirty="0">
+              <a:latin typeface="Calibri" panose="020F0502020204030204" pitchFamily="34" charset="0"/>
+              <a:cs typeface="Calibri" panose="020F0502020204030204" pitchFamily="34" charset="0"/>
+            </a:rPr>
             <a:t>Our struggles: Had to enter credit card details (and got charged 79 cents) for API requests.</a:t>
           </a:r>
-          <a:endParaRPr lang="en-US" sz="3900" kern="1200"/>
+          <a:endParaRPr lang="en-US" sz="3700" kern="1200" dirty="0">
+            <a:latin typeface="Calibri" panose="020F0502020204030204" pitchFamily="34" charset="0"/>
+            <a:cs typeface="Calibri" panose="020F0502020204030204" pitchFamily="34" charset="0"/>
+          </a:endParaRPr>
         </a:p>
       </dsp:txBody>
       <dsp:txXfrm>
-        <a:off x="129193" y="176042"/>
-        <a:ext cx="5913562" cy="2388154"/>
+        <a:off x="128908" y="184487"/>
+        <a:ext cx="5914132" cy="2382874"/>
       </dsp:txXfrm>
     </dsp:sp>
     <dsp:sp modelId="{C322F63F-DCE7-4749-A8B6-8B7AEF9D1943}">
@@ -1140,8 +1173,8 @@
       </dsp:nvSpPr>
       <dsp:spPr>
         <a:xfrm>
-          <a:off x="0" y="2805710"/>
-          <a:ext cx="6171948" cy="2646540"/>
+          <a:off x="0" y="2802829"/>
+          <a:ext cx="6171948" cy="2640690"/>
         </a:xfrm>
         <a:prstGeom prst="roundRect">
           <a:avLst/>
@@ -1183,12 +1216,12 @@
         </a:fontRef>
       </dsp:style>
       <dsp:txBody>
-        <a:bodyPr spcFirstLastPara="0" vert="horz" wrap="square" lIns="148590" tIns="148590" rIns="148590" bIns="148590" numCol="1" spcCol="1270" anchor="ctr" anchorCtr="0">
+        <a:bodyPr spcFirstLastPara="0" vert="horz" wrap="square" lIns="140970" tIns="140970" rIns="140970" bIns="140970" numCol="1" spcCol="1270" anchor="ctr" anchorCtr="0">
           <a:noAutofit/>
         </a:bodyPr>
         <a:lstStyle/>
         <a:p>
-          <a:pPr marL="0" lvl="0" indent="0" algn="l" defTabSz="1733550">
+          <a:pPr marL="0" lvl="0" indent="0" algn="l" defTabSz="1644650">
             <a:lnSpc>
               <a:spcPct val="90000"/>
             </a:lnSpc>
@@ -1201,15 +1234,35 @@
             <a:buNone/>
           </a:pPr>
           <a:r>
-            <a:rPr lang="en-AU" sz="3900" kern="1200"/>
-            <a:t>Haven’t got time to make meal plans for the entire week and put into DataFrame.</a:t>
+            <a:rPr lang="en-AU" sz="3700" kern="1200" dirty="0">
+              <a:latin typeface="Calibri" panose="020F0502020204030204" pitchFamily="34" charset="0"/>
+              <a:cs typeface="Calibri" panose="020F0502020204030204" pitchFamily="34" charset="0"/>
+            </a:rPr>
+            <a:t>Haven’t got time to make meal plans for the entire week and put into </a:t>
           </a:r>
-          <a:endParaRPr lang="en-US" sz="3900" kern="1200"/>
+          <a:r>
+            <a:rPr lang="en-AU" sz="3700" kern="1200" dirty="0" err="1">
+              <a:latin typeface="Calibri" panose="020F0502020204030204" pitchFamily="34" charset="0"/>
+              <a:cs typeface="Calibri" panose="020F0502020204030204" pitchFamily="34" charset="0"/>
+            </a:rPr>
+            <a:t>DataFrame</a:t>
+          </a:r>
+          <a:r>
+            <a:rPr lang="en-AU" sz="3700" kern="1200" dirty="0">
+              <a:latin typeface="Calibri" panose="020F0502020204030204" pitchFamily="34" charset="0"/>
+              <a:cs typeface="Calibri" panose="020F0502020204030204" pitchFamily="34" charset="0"/>
+            </a:rPr>
+            <a:t>.</a:t>
+          </a:r>
+          <a:endParaRPr lang="en-US" sz="3700" kern="1200" dirty="0">
+            <a:latin typeface="Calibri" panose="020F0502020204030204" pitchFamily="34" charset="0"/>
+            <a:cs typeface="Calibri" panose="020F0502020204030204" pitchFamily="34" charset="0"/>
+          </a:endParaRPr>
         </a:p>
       </dsp:txBody>
       <dsp:txXfrm>
-        <a:off x="129193" y="2934903"/>
-        <a:ext cx="5913562" cy="2388154"/>
+        <a:off x="128908" y="2931737"/>
+        <a:ext cx="5914132" cy="2382874"/>
       </dsp:txXfrm>
     </dsp:sp>
   </dsp:spTree>
@@ -2568,7 +2621,7 @@
           <a:p>
             <a:fld id="{2F3E8B1C-86EF-43CF-8304-249481088644}" type="datetimeFigureOut">
               <a:rPr lang="en-US" smtClean="0"/>
-              <a:t>11/10/2022</a:t>
+              <a:t>11/13/2022</a:t>
             </a:fld>
             <a:endParaRPr lang="en-US"/>
           </a:p>
@@ -2766,7 +2819,7 @@
           <a:p>
             <a:fld id="{2F3E8B1C-86EF-43CF-8304-249481088644}" type="datetimeFigureOut">
               <a:rPr lang="en-US" smtClean="0"/>
-              <a:t>11/10/2022</a:t>
+              <a:t>11/13/2022</a:t>
             </a:fld>
             <a:endParaRPr lang="en-US"/>
           </a:p>
@@ -2974,7 +3027,7 @@
           <a:p>
             <a:fld id="{2F3E8B1C-86EF-43CF-8304-249481088644}" type="datetimeFigureOut">
               <a:rPr lang="en-US" smtClean="0"/>
-              <a:t>11/10/2022</a:t>
+              <a:t>11/13/2022</a:t>
             </a:fld>
             <a:endParaRPr lang="en-US"/>
           </a:p>
@@ -3172,7 +3225,7 @@
           <a:p>
             <a:fld id="{2F3E8B1C-86EF-43CF-8304-249481088644}" type="datetimeFigureOut">
               <a:rPr lang="en-US" smtClean="0"/>
-              <a:t>11/10/2022</a:t>
+              <a:t>11/13/2022</a:t>
             </a:fld>
             <a:endParaRPr lang="en-US"/>
           </a:p>
@@ -3447,7 +3500,7 @@
           <a:p>
             <a:fld id="{2F3E8B1C-86EF-43CF-8304-249481088644}" type="datetimeFigureOut">
               <a:rPr lang="en-US" smtClean="0"/>
-              <a:t>11/10/2022</a:t>
+              <a:t>11/13/2022</a:t>
             </a:fld>
             <a:endParaRPr lang="en-US"/>
           </a:p>
@@ -3717,7 +3770,7 @@
           <a:p>
             <a:fld id="{2F3E8B1C-86EF-43CF-8304-249481088644}" type="datetimeFigureOut">
               <a:rPr lang="en-US" smtClean="0"/>
-              <a:t>11/10/2022</a:t>
+              <a:t>11/13/2022</a:t>
             </a:fld>
             <a:endParaRPr lang="en-US"/>
           </a:p>
@@ -4137,7 +4190,7 @@
           <a:p>
             <a:fld id="{2F3E8B1C-86EF-43CF-8304-249481088644}" type="datetimeFigureOut">
               <a:rPr lang="en-US" smtClean="0"/>
-              <a:t>11/10/2022</a:t>
+              <a:t>11/13/2022</a:t>
             </a:fld>
             <a:endParaRPr lang="en-US"/>
           </a:p>
@@ -4278,7 +4331,7 @@
           <a:p>
             <a:fld id="{2F3E8B1C-86EF-43CF-8304-249481088644}" type="datetimeFigureOut">
               <a:rPr lang="en-US" smtClean="0"/>
-              <a:t>11/10/2022</a:t>
+              <a:t>11/13/2022</a:t>
             </a:fld>
             <a:endParaRPr lang="en-US"/>
           </a:p>
@@ -4391,7 +4444,7 @@
           <a:p>
             <a:fld id="{2F3E8B1C-86EF-43CF-8304-249481088644}" type="datetimeFigureOut">
               <a:rPr lang="en-US" smtClean="0"/>
-              <a:t>11/10/2022</a:t>
+              <a:t>11/13/2022</a:t>
             </a:fld>
             <a:endParaRPr lang="en-US"/>
           </a:p>
@@ -4702,7 +4755,7 @@
           <a:p>
             <a:fld id="{2F3E8B1C-86EF-43CF-8304-249481088644}" type="datetimeFigureOut">
               <a:rPr lang="en-US" smtClean="0"/>
-              <a:t>11/10/2022</a:t>
+              <a:t>11/13/2022</a:t>
             </a:fld>
             <a:endParaRPr lang="en-US"/>
           </a:p>
@@ -4990,7 +5043,7 @@
           <a:p>
             <a:fld id="{2F3E8B1C-86EF-43CF-8304-249481088644}" type="datetimeFigureOut">
               <a:rPr lang="en-US" smtClean="0"/>
-              <a:t>11/10/2022</a:t>
+              <a:t>11/13/2022</a:t>
             </a:fld>
             <a:endParaRPr lang="en-US"/>
           </a:p>
@@ -5231,7 +5284,7 @@
             <a:fld id="{2F3E8B1C-86EF-43CF-8304-249481088644}" type="datetimeFigureOut">
               <a:rPr lang="en-US" smtClean="0"/>
               <a:pPr/>
-              <a:t>11/10/2022</a:t>
+              <a:t>11/13/2022</a:t>
             </a:fld>
             <a:endParaRPr lang="en-US" dirty="0"/>
           </a:p>
@@ -6787,6 +6840,167 @@
           <p:cNvPr id="2" name="Title 1">
             <a:extLst>
               <a:ext uri="{FF2B5EF4-FFF2-40B4-BE49-F238E27FC236}">
+                <a16:creationId xmlns:a16="http://schemas.microsoft.com/office/drawing/2014/main" id="{89972DF2-C136-643A-8AF3-65F4AFA1150D}"/>
+              </a:ext>
+            </a:extLst>
+          </p:cNvPr>
+          <p:cNvSpPr>
+            <a:spLocks noGrp="1"/>
+          </p:cNvSpPr>
+          <p:nvPr>
+            <p:ph type="title"/>
+          </p:nvPr>
+        </p:nvSpPr>
+        <p:spPr/>
+        <p:txBody>
+          <a:bodyPr/>
+          <a:lstStyle/>
+          <a:p>
+            <a:r>
+              <a:rPr lang="en-AU" dirty="0"/>
+              <a:t>Looking at a few more countries</a:t>
+            </a:r>
+          </a:p>
+        </p:txBody>
+      </p:sp>
+      <p:pic>
+        <p:nvPicPr>
+          <p:cNvPr id="9" name="Content Placeholder 8" descr="A picture containing map&#10;&#10;Description automatically generated">
+            <a:extLst>
+              <a:ext uri="{FF2B5EF4-FFF2-40B4-BE49-F238E27FC236}">
+                <a16:creationId xmlns:a16="http://schemas.microsoft.com/office/drawing/2014/main" id="{5900A0F3-2F87-043A-DE18-F1D0A98FAE2E}"/>
+              </a:ext>
+            </a:extLst>
+          </p:cNvPr>
+          <p:cNvPicPr>
+            <a:picLocks noGrp="1" noChangeAspect="1"/>
+          </p:cNvPicPr>
+          <p:nvPr>
+            <p:ph idx="1"/>
+          </p:nvPr>
+        </p:nvPicPr>
+        <p:blipFill>
+          <a:blip r:embed="rId2">
+            <a:extLst>
+              <a:ext uri="{28A0092B-C50C-407E-A947-70E740481C1C}">
+                <a14:useLocalDpi xmlns:a14="http://schemas.microsoft.com/office/drawing/2010/main" val="0"/>
+              </a:ext>
+            </a:extLst>
+          </a:blip>
+          <a:stretch>
+            <a:fillRect/>
+          </a:stretch>
+        </p:blipFill>
+        <p:spPr>
+          <a:xfrm>
+            <a:off x="-417954" y="1942053"/>
+            <a:ext cx="12928441" cy="1858258"/>
+          </a:xfrm>
+        </p:spPr>
+      </p:pic>
+      <p:pic>
+        <p:nvPicPr>
+          <p:cNvPr id="13" name="Picture 12">
+            <a:extLst>
+              <a:ext uri="{FF2B5EF4-FFF2-40B4-BE49-F238E27FC236}">
+                <a16:creationId xmlns:a16="http://schemas.microsoft.com/office/drawing/2014/main" id="{C876FCDC-5EF5-0A3E-8A6C-96923E42BC1D}"/>
+              </a:ext>
+            </a:extLst>
+          </p:cNvPr>
+          <p:cNvPicPr>
+            <a:picLocks noChangeAspect="1"/>
+          </p:cNvPicPr>
+          <p:nvPr/>
+        </p:nvPicPr>
+        <p:blipFill>
+          <a:blip r:embed="rId3"/>
+          <a:stretch>
+            <a:fillRect/>
+          </a:stretch>
+        </p:blipFill>
+        <p:spPr>
+          <a:xfrm>
+            <a:off x="0" y="1500152"/>
+            <a:ext cx="1828800" cy="5231756"/>
+          </a:xfrm>
+          <a:prstGeom prst="rect">
+            <a:avLst/>
+          </a:prstGeom>
+        </p:spPr>
+      </p:pic>
+      <p:sp>
+        <p:nvSpPr>
+          <p:cNvPr id="14" name="TextBox 13">
+            <a:extLst>
+              <a:ext uri="{FF2B5EF4-FFF2-40B4-BE49-F238E27FC236}">
+                <a16:creationId xmlns:a16="http://schemas.microsoft.com/office/drawing/2014/main" id="{140CD4B4-A040-001F-B4FA-C28105272754}"/>
+              </a:ext>
+            </a:extLst>
+          </p:cNvPr>
+          <p:cNvSpPr txBox="1"/>
+          <p:nvPr/>
+        </p:nvSpPr>
+        <p:spPr>
+          <a:xfrm>
+            <a:off x="2628900" y="4242212"/>
+            <a:ext cx="8763000" cy="584775"/>
+          </a:xfrm>
+          <a:prstGeom prst="rect">
+            <a:avLst/>
+          </a:prstGeom>
+          <a:noFill/>
+        </p:spPr>
+        <p:txBody>
+          <a:bodyPr wrap="square" rtlCol="0">
+            <a:spAutoFit/>
+          </a:bodyPr>
+          <a:lstStyle/>
+          <a:p>
+            <a:r>
+              <a:rPr lang="en-AU" sz="3200" dirty="0">
+                <a:latin typeface="Calibri" panose="020F0502020204030204" pitchFamily="34" charset="0"/>
+                <a:cs typeface="Calibri" panose="020F0502020204030204" pitchFamily="34" charset="0"/>
+              </a:rPr>
+              <a:t>Dot size = Number of vegetarian recipes</a:t>
+            </a:r>
+          </a:p>
+        </p:txBody>
+      </p:sp>
+    </p:spTree>
+    <p:extLst>
+      <p:ext uri="{BB962C8B-B14F-4D97-AF65-F5344CB8AC3E}">
+        <p14:creationId xmlns:p14="http://schemas.microsoft.com/office/powerpoint/2010/main" val="2018588159"/>
+      </p:ext>
+    </p:extLst>
+  </p:cSld>
+  <p:clrMapOvr>
+    <a:masterClrMapping/>
+  </p:clrMapOvr>
+</p:sld>
+</file>
+
+<file path=ppt/slides/slide13.xml><?xml version="1.0" encoding="utf-8"?>
+<p:sld xmlns:a="http://schemas.openxmlformats.org/drawingml/2006/main" xmlns:r="http://schemas.openxmlformats.org/officeDocument/2006/relationships" xmlns:p="http://schemas.openxmlformats.org/presentationml/2006/main">
+  <p:cSld>
+    <p:spTree>
+      <p:nvGrpSpPr>
+        <p:cNvPr id="1" name=""/>
+        <p:cNvGrpSpPr/>
+        <p:nvPr/>
+      </p:nvGrpSpPr>
+      <p:grpSpPr>
+        <a:xfrm>
+          <a:off x="0" y="0"/>
+          <a:ext cx="0" cy="0"/>
+          <a:chOff x="0" y="0"/>
+          <a:chExt cx="0" cy="0"/>
+        </a:xfrm>
+      </p:grpSpPr>
+      <p:sp>
+        <p:nvSpPr>
+          <p:cNvPr id="2" name="Title 1">
+            <a:extLst>
+              <a:ext uri="{FF2B5EF4-FFF2-40B4-BE49-F238E27FC236}">
                 <a16:creationId xmlns:a16="http://schemas.microsoft.com/office/drawing/2014/main" id="{01289ACB-99A7-F973-A25B-4E40B4162376}"/>
               </a:ext>
             </a:extLst>
@@ -6992,7 +7206,7 @@
 </p:sld>
 </file>
 
-<file path=ppt/slides/slide13.xml><?xml version="1.0" encoding="utf-8"?>
+<file path=ppt/slides/slide14.xml><?xml version="1.0" encoding="utf-8"?>
 <p:sld xmlns:a="http://schemas.openxmlformats.org/drawingml/2006/main" xmlns:r="http://schemas.openxmlformats.org/officeDocument/2006/relationships" xmlns:p="http://schemas.openxmlformats.org/presentationml/2006/main">
   <p:cSld>
     <p:bg>
@@ -7196,7 +7410,7 @@
             <p:ph idx="1"/>
             <p:extLst>
               <p:ext uri="{D42A27DB-BD31-4B8C-83A1-F6EECF244321}">
-                <p14:modId xmlns:p14="http://schemas.microsoft.com/office/powerpoint/2010/main" val="922318564"/>
+                <p14:modId xmlns:p14="http://schemas.microsoft.com/office/powerpoint/2010/main" val="4224571130"/>
               </p:ext>
             </p:extLst>
           </p:nvPr>
@@ -7211,6 +7425,55 @@
           </a:graphicData>
         </a:graphic>
       </p:graphicFrame>
+      <p:sp>
+        <p:nvSpPr>
+          <p:cNvPr id="3" name="TextBox 2">
+            <a:extLst>
+              <a:ext uri="{FF2B5EF4-FFF2-40B4-BE49-F238E27FC236}">
+                <a16:creationId xmlns:a16="http://schemas.microsoft.com/office/drawing/2014/main" id="{0DAE2B93-6F71-98CF-E8F8-99519FEB2FBA}"/>
+              </a:ext>
+            </a:extLst>
+          </p:cNvPr>
+          <p:cNvSpPr txBox="1"/>
+          <p:nvPr/>
+        </p:nvSpPr>
+        <p:spPr>
+          <a:xfrm>
+            <a:off x="437227" y="3259394"/>
+            <a:ext cx="4430969" cy="923330"/>
+          </a:xfrm>
+          <a:prstGeom prst="rect">
+            <a:avLst/>
+          </a:prstGeom>
+          <a:noFill/>
+        </p:spPr>
+        <p:txBody>
+          <a:bodyPr wrap="square" rtlCol="0">
+            <a:spAutoFit/>
+          </a:bodyPr>
+          <a:lstStyle/>
+          <a:p>
+            <a:r>
+              <a:rPr lang="en-AU" dirty="0">
+                <a:latin typeface="Calibri" panose="020F0502020204030204" pitchFamily="34" charset="0"/>
+                <a:cs typeface="Calibri" panose="020F0502020204030204" pitchFamily="34" charset="0"/>
+                <a:hlinkClick r:id="rId7"/>
+              </a:rPr>
+              <a:t>https://github.com/MarDuo2022/Project1-DataAnalyticsBootcamp.git</a:t>
+            </a:r>
+            <a:endParaRPr lang="en-AU" dirty="0">
+              <a:latin typeface="Calibri" panose="020F0502020204030204" pitchFamily="34" charset="0"/>
+              <a:cs typeface="Calibri" panose="020F0502020204030204" pitchFamily="34" charset="0"/>
+            </a:endParaRPr>
+          </a:p>
+          <a:p>
+            <a:endParaRPr lang="en-AU" dirty="0">
+              <a:latin typeface="Calibri" panose="020F0502020204030204" pitchFamily="34" charset="0"/>
+              <a:cs typeface="Calibri" panose="020F0502020204030204" pitchFamily="34" charset="0"/>
+            </a:endParaRPr>
+          </a:p>
+        </p:txBody>
+      </p:sp>
     </p:spTree>
     <p:extLst>
       <p:ext uri="{BB962C8B-B14F-4D97-AF65-F5344CB8AC3E}">
@@ -8903,6 +9166,36 @@
           </a:extLst>
         </p:spPr>
       </p:pic>
+      <p:pic>
+        <p:nvPicPr>
+          <p:cNvPr id="7" name="Picture 6">
+            <a:extLst>
+              <a:ext uri="{FF2B5EF4-FFF2-40B4-BE49-F238E27FC236}">
+                <a16:creationId xmlns:a16="http://schemas.microsoft.com/office/drawing/2014/main" id="{603B8E67-1AFE-853C-D39D-7B47C3345DEF}"/>
+              </a:ext>
+            </a:extLst>
+          </p:cNvPr>
+          <p:cNvPicPr>
+            <a:picLocks noChangeAspect="1"/>
+          </p:cNvPicPr>
+          <p:nvPr/>
+        </p:nvPicPr>
+        <p:blipFill>
+          <a:blip r:embed="rId6"/>
+          <a:stretch>
+            <a:fillRect/>
+          </a:stretch>
+        </p:blipFill>
+        <p:spPr>
+          <a:xfrm>
+            <a:off x="480811" y="4156163"/>
+            <a:ext cx="7535327" cy="1514686"/>
+          </a:xfrm>
+          <a:prstGeom prst="rect">
+            <a:avLst/>
+          </a:prstGeom>
+        </p:spPr>
+      </p:pic>
     </p:spTree>
     <p:extLst>
       <p:ext uri="{BB962C8B-B14F-4D97-AF65-F5344CB8AC3E}">
@@ -8913,6 +9206,135 @@
   <p:clrMapOvr>
     <a:masterClrMapping/>
   </p:clrMapOvr>
+  <p:timing>
+    <p:tnLst>
+      <p:par>
+        <p:cTn id="1" dur="indefinite" restart="never" nodeType="tmRoot">
+          <p:childTnLst>
+            <p:seq concurrent="1" nextAc="seek">
+              <p:cTn id="2" dur="indefinite" nodeType="mainSeq">
+                <p:childTnLst>
+                  <p:par>
+                    <p:cTn id="3" fill="hold">
+                      <p:stCondLst>
+                        <p:cond delay="indefinite"/>
+                      </p:stCondLst>
+                      <p:childTnLst>
+                        <p:par>
+                          <p:cTn id="4" fill="hold">
+                            <p:stCondLst>
+                              <p:cond delay="0"/>
+                            </p:stCondLst>
+                            <p:childTnLst>
+                              <p:par>
+                                <p:cTn id="5" presetID="42" presetClass="entr" presetSubtype="0" fill="hold" nodeType="clickEffect">
+                                  <p:stCondLst>
+                                    <p:cond delay="0"/>
+                                  </p:stCondLst>
+                                  <p:childTnLst>
+                                    <p:set>
+                                      <p:cBhvr>
+                                        <p:cTn id="6" dur="1" fill="hold">
+                                          <p:stCondLst>
+                                            <p:cond delay="0"/>
+                                          </p:stCondLst>
+                                        </p:cTn>
+                                        <p:tgtEl>
+                                          <p:spTgt spid="7"/>
+                                        </p:tgtEl>
+                                        <p:attrNameLst>
+                                          <p:attrName>style.visibility</p:attrName>
+                                        </p:attrNameLst>
+                                      </p:cBhvr>
+                                      <p:to>
+                                        <p:strVal val="visible"/>
+                                      </p:to>
+                                    </p:set>
+                                    <p:animEffect transition="in" filter="fade">
+                                      <p:cBhvr>
+                                        <p:cTn id="7" dur="1000"/>
+                                        <p:tgtEl>
+                                          <p:spTgt spid="7"/>
+                                        </p:tgtEl>
+                                      </p:cBhvr>
+                                    </p:animEffect>
+                                    <p:anim calcmode="lin" valueType="num">
+                                      <p:cBhvr>
+                                        <p:cTn id="8" dur="1000" fill="hold"/>
+                                        <p:tgtEl>
+                                          <p:spTgt spid="7"/>
+                                        </p:tgtEl>
+                                        <p:attrNameLst>
+                                          <p:attrName>ppt_x</p:attrName>
+                                        </p:attrNameLst>
+                                      </p:cBhvr>
+                                      <p:tavLst>
+                                        <p:tav tm="0">
+                                          <p:val>
+                                            <p:strVal val="#ppt_x"/>
+                                          </p:val>
+                                        </p:tav>
+                                        <p:tav tm="100000">
+                                          <p:val>
+                                            <p:strVal val="#ppt_x"/>
+                                          </p:val>
+                                        </p:tav>
+                                      </p:tavLst>
+                                    </p:anim>
+                                    <p:anim calcmode="lin" valueType="num">
+                                      <p:cBhvr>
+                                        <p:cTn id="9" dur="1000" fill="hold"/>
+                                        <p:tgtEl>
+                                          <p:spTgt spid="7"/>
+                                        </p:tgtEl>
+                                        <p:attrNameLst>
+                                          <p:attrName>ppt_y</p:attrName>
+                                        </p:attrNameLst>
+                                      </p:cBhvr>
+                                      <p:tavLst>
+                                        <p:tav tm="0">
+                                          <p:val>
+                                            <p:strVal val="#ppt_y+.1"/>
+                                          </p:val>
+                                        </p:tav>
+                                        <p:tav tm="100000">
+                                          <p:val>
+                                            <p:strVal val="#ppt_y"/>
+                                          </p:val>
+                                        </p:tav>
+                                      </p:tavLst>
+                                    </p:anim>
+                                  </p:childTnLst>
+                                </p:cTn>
+                              </p:par>
+                            </p:childTnLst>
+                          </p:cTn>
+                        </p:par>
+                      </p:childTnLst>
+                    </p:cTn>
+                  </p:par>
+                </p:childTnLst>
+              </p:cTn>
+              <p:prevCondLst>
+                <p:cond evt="onPrev" delay="0">
+                  <p:tgtEl>
+                    <p:sldTgt/>
+                  </p:tgtEl>
+                </p:cond>
+              </p:prevCondLst>
+              <p:nextCondLst>
+                <p:cond evt="onNext" delay="0">
+                  <p:tgtEl>
+                    <p:sldTgt/>
+                  </p:tgtEl>
+                </p:cond>
+              </p:nextCondLst>
+            </p:seq>
+          </p:childTnLst>
+        </p:cTn>
+      </p:par>
+    </p:tnLst>
+  </p:timing>
 </p:sld>
 </file>
 
